--- a/Material für Abschlusspräsentation/Präsentationsvorlage für Felix.pptx
+++ b/Material für Abschlusspräsentation/Präsentationsvorlage für Felix.pptx
@@ -5,11 +5,17 @@
     <p:sldMasterId id="2147483648" r:id="rId1"/>
   </p:sldMasterIdLst>
   <p:notesMasterIdLst>
-    <p:notesMasterId r:id="rId4"/>
+    <p:notesMasterId r:id="rId10"/>
   </p:notesMasterIdLst>
   <p:sldIdLst>
     <p:sldId id="257" r:id="rId2"/>
-    <p:sldId id="259" r:id="rId3"/>
+    <p:sldId id="266" r:id="rId3"/>
+    <p:sldId id="260" r:id="rId4"/>
+    <p:sldId id="261" r:id="rId5"/>
+    <p:sldId id="262" r:id="rId6"/>
+    <p:sldId id="263" r:id="rId7"/>
+    <p:sldId id="264" r:id="rId8"/>
+    <p:sldId id="265" r:id="rId9"/>
   </p:sldIdLst>
   <p:sldSz cx="12192000" cy="6858000"/>
   <p:notesSz cx="6858000" cy="9144000"/>
@@ -198,7 +204,7 @@
           <a:p>
             <a:fld id="{398C6B7F-DE70-4723-AEA0-F3505BEE67B9}" type="datetimeFigureOut">
               <a:rPr lang="de-DE" smtClean="0"/>
-              <a:t>16.07.2020</a:t>
+              <a:t>20.07.2020</a:t>
             </a:fld>
             <a:endParaRPr lang="de-DE"/>
           </a:p>
@@ -3094,6 +3100,1061 @@
           <a:chExt cx="0" cy="0"/>
         </a:xfrm>
       </p:grpSpPr>
+    </p:spTree>
+    <p:extLst>
+      <p:ext uri="{BB962C8B-B14F-4D97-AF65-F5344CB8AC3E}">
+        <p14:creationId xmlns:p14="http://schemas.microsoft.com/office/powerpoint/2010/main" val="2582068619"/>
+      </p:ext>
+    </p:extLst>
+  </p:cSld>
+  <p:clrMapOvr>
+    <a:masterClrMapping/>
+  </p:clrMapOvr>
+  <p:transition spd="slow">
+    <p:push dir="u"/>
+  </p:transition>
+</p:sld>
+</file>
+
+<file path=ppt/slides/slide3.xml><?xml version="1.0" encoding="utf-8"?>
+<p:sld xmlns:a="http://schemas.openxmlformats.org/drawingml/2006/main" xmlns:r="http://schemas.openxmlformats.org/officeDocument/2006/relationships" xmlns:p="http://schemas.openxmlformats.org/presentationml/2006/main">
+  <p:cSld>
+    <p:spTree>
+      <p:nvGrpSpPr>
+        <p:cNvPr id="1" name=""/>
+        <p:cNvGrpSpPr/>
+        <p:nvPr/>
+      </p:nvGrpSpPr>
+      <p:grpSpPr>
+        <a:xfrm>
+          <a:off x="0" y="0"/>
+          <a:ext cx="0" cy="0"/>
+          <a:chOff x="0" y="0"/>
+          <a:chExt cx="0" cy="0"/>
+        </a:xfrm>
+      </p:grpSpPr>
+      <p:sp>
+        <p:nvSpPr>
+          <p:cNvPr id="15" name="Textfeld 14">
+            <a:extLst>
+              <a:ext uri="{FF2B5EF4-FFF2-40B4-BE49-F238E27FC236}">
+                <a16:creationId xmlns:a16="http://schemas.microsoft.com/office/drawing/2014/main" id="{EDC0117D-58F4-467D-B022-5970DDCB4994}"/>
+              </a:ext>
+            </a:extLst>
+          </p:cNvPr>
+          <p:cNvSpPr txBox="1"/>
+          <p:nvPr/>
+        </p:nvSpPr>
+        <p:spPr>
+          <a:xfrm>
+            <a:off x="515891" y="362596"/>
+            <a:ext cx="5023184" cy="523220"/>
+          </a:xfrm>
+          <a:prstGeom prst="rect">
+            <a:avLst/>
+          </a:prstGeom>
+          <a:noFill/>
+          <a:ln>
+            <a:solidFill>
+              <a:schemeClr val="tx1"/>
+            </a:solidFill>
+          </a:ln>
+        </p:spPr>
+        <p:txBody>
+          <a:bodyPr wrap="square" rtlCol="0">
+            <a:spAutoFit/>
+          </a:bodyPr>
+          <a:lstStyle/>
+          <a:p>
+            <a:pPr algn="ctr"/>
+            <a:r>
+              <a:rPr lang="de-DE" sz="2800" spc="600" dirty="0">
+                <a:latin typeface="Corbel Light" panose="020B0303020204020204" pitchFamily="34" charset="0"/>
+              </a:rPr>
+              <a:t>Vorarbeit</a:t>
+            </a:r>
+          </a:p>
+        </p:txBody>
+      </p:sp>
+      <p:sp>
+        <p:nvSpPr>
+          <p:cNvPr id="11" name="Textfeld 10">
+            <a:extLst>
+              <a:ext uri="{FF2B5EF4-FFF2-40B4-BE49-F238E27FC236}">
+                <a16:creationId xmlns:a16="http://schemas.microsoft.com/office/drawing/2014/main" id="{BA3042D6-6002-417C-93D0-8FCE3D1E7633}"/>
+              </a:ext>
+            </a:extLst>
+          </p:cNvPr>
+          <p:cNvSpPr txBox="1"/>
+          <p:nvPr/>
+        </p:nvSpPr>
+        <p:spPr>
+          <a:xfrm>
+            <a:off x="5697415" y="362596"/>
+            <a:ext cx="1233776" cy="523220"/>
+          </a:xfrm>
+          <a:prstGeom prst="rect">
+            <a:avLst/>
+          </a:prstGeom>
+          <a:noFill/>
+          <a:ln>
+            <a:solidFill>
+              <a:schemeClr val="tx1"/>
+            </a:solidFill>
+          </a:ln>
+        </p:spPr>
+        <p:txBody>
+          <a:bodyPr wrap="square" rtlCol="0">
+            <a:spAutoFit/>
+          </a:bodyPr>
+          <a:lstStyle/>
+          <a:p>
+            <a:pPr algn="ctr"/>
+            <a:r>
+              <a:rPr lang="de-DE" sz="2800" spc="600" dirty="0">
+                <a:latin typeface="Corbel Light" panose="020B0303020204020204" pitchFamily="34" charset="0"/>
+              </a:rPr>
+              <a:t>32%</a:t>
+            </a:r>
+          </a:p>
+        </p:txBody>
+      </p:sp>
+      <p:sp>
+        <p:nvSpPr>
+          <p:cNvPr id="12" name="Textfeld 11">
+            <a:extLst>
+              <a:ext uri="{FF2B5EF4-FFF2-40B4-BE49-F238E27FC236}">
+                <a16:creationId xmlns:a16="http://schemas.microsoft.com/office/drawing/2014/main" id="{3DB282F9-9955-4987-A9EC-F59319B64096}"/>
+              </a:ext>
+            </a:extLst>
+          </p:cNvPr>
+          <p:cNvSpPr txBox="1"/>
+          <p:nvPr/>
+        </p:nvSpPr>
+        <p:spPr>
+          <a:xfrm>
+            <a:off x="515891" y="1060118"/>
+            <a:ext cx="11318555" cy="2610843"/>
+          </a:xfrm>
+          <a:prstGeom prst="rect">
+            <a:avLst/>
+          </a:prstGeom>
+          <a:noFill/>
+          <a:ln>
+            <a:solidFill>
+              <a:schemeClr val="tx1"/>
+            </a:solidFill>
+          </a:ln>
+        </p:spPr>
+        <p:txBody>
+          <a:bodyPr wrap="square" rtlCol="0">
+            <a:spAutoFit/>
+          </a:bodyPr>
+          <a:lstStyle/>
+          <a:p>
+            <a:pPr marL="457200" indent="-457200">
+              <a:lnSpc>
+                <a:spcPct val="150000"/>
+              </a:lnSpc>
+              <a:buFont typeface="Courier New" panose="02070309020205020404" pitchFamily="49" charset="0"/>
+              <a:buChar char="o"/>
+            </a:pPr>
+            <a:r>
+              <a:rPr lang="de-DE" sz="2800" spc="600" dirty="0">
+                <a:latin typeface="Corbel Light" panose="020B0303020204020204" pitchFamily="34" charset="0"/>
+              </a:rPr>
+              <a:t>Punkt 1</a:t>
+            </a:r>
+          </a:p>
+          <a:p>
+            <a:pPr marL="457200" indent="-457200">
+              <a:lnSpc>
+                <a:spcPct val="150000"/>
+              </a:lnSpc>
+              <a:buFont typeface="Courier New" panose="02070309020205020404" pitchFamily="49" charset="0"/>
+              <a:buChar char="o"/>
+            </a:pPr>
+            <a:r>
+              <a:rPr lang="de-DE" sz="2800" spc="600" dirty="0">
+                <a:latin typeface="Corbel Light" panose="020B0303020204020204" pitchFamily="34" charset="0"/>
+              </a:rPr>
+              <a:t>Punkt 2</a:t>
+            </a:r>
+          </a:p>
+          <a:p>
+            <a:pPr marL="457200" indent="-457200">
+              <a:lnSpc>
+                <a:spcPct val="150000"/>
+              </a:lnSpc>
+              <a:buFont typeface="Courier New" panose="02070309020205020404" pitchFamily="49" charset="0"/>
+              <a:buChar char="o"/>
+            </a:pPr>
+            <a:r>
+              <a:rPr lang="de-DE" sz="2800" spc="600" dirty="0">
+                <a:latin typeface="Corbel Light" panose="020B0303020204020204" pitchFamily="34" charset="0"/>
+              </a:rPr>
+              <a:t>Punkt 3</a:t>
+            </a:r>
+          </a:p>
+          <a:p>
+            <a:pPr marL="457200" indent="-457200">
+              <a:lnSpc>
+                <a:spcPct val="150000"/>
+              </a:lnSpc>
+              <a:buFont typeface="Courier New" panose="02070309020205020404" pitchFamily="49" charset="0"/>
+              <a:buChar char="o"/>
+            </a:pPr>
+            <a:r>
+              <a:rPr lang="de-DE" sz="2800" spc="600" dirty="0">
+                <a:latin typeface="Corbel Light" panose="020B0303020204020204" pitchFamily="34" charset="0"/>
+              </a:rPr>
+              <a:t>Punkt 4</a:t>
+            </a:r>
+          </a:p>
+        </p:txBody>
+      </p:sp>
+    </p:spTree>
+    <p:extLst>
+      <p:ext uri="{BB962C8B-B14F-4D97-AF65-F5344CB8AC3E}">
+        <p14:creationId xmlns:p14="http://schemas.microsoft.com/office/powerpoint/2010/main" val="1817869938"/>
+      </p:ext>
+    </p:extLst>
+  </p:cSld>
+  <p:clrMapOvr>
+    <a:masterClrMapping/>
+  </p:clrMapOvr>
+  <p:transition spd="slow">
+    <p:push dir="u"/>
+  </p:transition>
+</p:sld>
+</file>
+
+<file path=ppt/slides/slide4.xml><?xml version="1.0" encoding="utf-8"?>
+<p:sld xmlns:a="http://schemas.openxmlformats.org/drawingml/2006/main" xmlns:r="http://schemas.openxmlformats.org/officeDocument/2006/relationships" xmlns:p="http://schemas.openxmlformats.org/presentationml/2006/main">
+  <p:cSld>
+    <p:spTree>
+      <p:nvGrpSpPr>
+        <p:cNvPr id="1" name=""/>
+        <p:cNvGrpSpPr/>
+        <p:nvPr/>
+      </p:nvGrpSpPr>
+      <p:grpSpPr>
+        <a:xfrm>
+          <a:off x="0" y="0"/>
+          <a:ext cx="0" cy="0"/>
+          <a:chOff x="0" y="0"/>
+          <a:chExt cx="0" cy="0"/>
+        </a:xfrm>
+      </p:grpSpPr>
+      <p:sp>
+        <p:nvSpPr>
+          <p:cNvPr id="15" name="Textfeld 14">
+            <a:extLst>
+              <a:ext uri="{FF2B5EF4-FFF2-40B4-BE49-F238E27FC236}">
+                <a16:creationId xmlns:a16="http://schemas.microsoft.com/office/drawing/2014/main" id="{EDC0117D-58F4-467D-B022-5970DDCB4994}"/>
+              </a:ext>
+            </a:extLst>
+          </p:cNvPr>
+          <p:cNvSpPr txBox="1"/>
+          <p:nvPr/>
+        </p:nvSpPr>
+        <p:spPr>
+          <a:xfrm>
+            <a:off x="515891" y="362596"/>
+            <a:ext cx="5023184" cy="523220"/>
+          </a:xfrm>
+          <a:prstGeom prst="rect">
+            <a:avLst/>
+          </a:prstGeom>
+          <a:noFill/>
+          <a:ln>
+            <a:solidFill>
+              <a:schemeClr val="tx1"/>
+            </a:solidFill>
+          </a:ln>
+        </p:spPr>
+        <p:txBody>
+          <a:bodyPr wrap="square" rtlCol="0">
+            <a:spAutoFit/>
+          </a:bodyPr>
+          <a:lstStyle/>
+          <a:p>
+            <a:pPr algn="ctr"/>
+            <a:r>
+              <a:rPr lang="de-DE" sz="2800" spc="600" dirty="0">
+                <a:latin typeface="Corbel Light" panose="020B0303020204020204" pitchFamily="34" charset="0"/>
+              </a:rPr>
+              <a:t>Hardware</a:t>
+            </a:r>
+          </a:p>
+        </p:txBody>
+      </p:sp>
+      <p:sp>
+        <p:nvSpPr>
+          <p:cNvPr id="11" name="Textfeld 10">
+            <a:extLst>
+              <a:ext uri="{FF2B5EF4-FFF2-40B4-BE49-F238E27FC236}">
+                <a16:creationId xmlns:a16="http://schemas.microsoft.com/office/drawing/2014/main" id="{BA3042D6-6002-417C-93D0-8FCE3D1E7633}"/>
+              </a:ext>
+            </a:extLst>
+          </p:cNvPr>
+          <p:cNvSpPr txBox="1"/>
+          <p:nvPr/>
+        </p:nvSpPr>
+        <p:spPr>
+          <a:xfrm>
+            <a:off x="5697415" y="362596"/>
+            <a:ext cx="1233776" cy="523220"/>
+          </a:xfrm>
+          <a:prstGeom prst="rect">
+            <a:avLst/>
+          </a:prstGeom>
+          <a:noFill/>
+          <a:ln>
+            <a:solidFill>
+              <a:schemeClr val="tx1"/>
+            </a:solidFill>
+          </a:ln>
+        </p:spPr>
+        <p:txBody>
+          <a:bodyPr wrap="square" rtlCol="0">
+            <a:spAutoFit/>
+          </a:bodyPr>
+          <a:lstStyle/>
+          <a:p>
+            <a:pPr algn="ctr"/>
+            <a:r>
+              <a:rPr lang="de-DE" sz="2800" spc="600" dirty="0">
+                <a:latin typeface="Corbel Light" panose="020B0303020204020204" pitchFamily="34" charset="0"/>
+              </a:rPr>
+              <a:t>32%</a:t>
+            </a:r>
+          </a:p>
+        </p:txBody>
+      </p:sp>
+      <p:sp>
+        <p:nvSpPr>
+          <p:cNvPr id="12" name="Textfeld 11">
+            <a:extLst>
+              <a:ext uri="{FF2B5EF4-FFF2-40B4-BE49-F238E27FC236}">
+                <a16:creationId xmlns:a16="http://schemas.microsoft.com/office/drawing/2014/main" id="{3DB282F9-9955-4987-A9EC-F59319B64096}"/>
+              </a:ext>
+            </a:extLst>
+          </p:cNvPr>
+          <p:cNvSpPr txBox="1"/>
+          <p:nvPr/>
+        </p:nvSpPr>
+        <p:spPr>
+          <a:xfrm>
+            <a:off x="515890" y="1095288"/>
+            <a:ext cx="11318555" cy="2610843"/>
+          </a:xfrm>
+          <a:prstGeom prst="rect">
+            <a:avLst/>
+          </a:prstGeom>
+          <a:noFill/>
+          <a:ln>
+            <a:solidFill>
+              <a:schemeClr val="tx1"/>
+            </a:solidFill>
+          </a:ln>
+        </p:spPr>
+        <p:txBody>
+          <a:bodyPr wrap="square" rtlCol="0">
+            <a:spAutoFit/>
+          </a:bodyPr>
+          <a:lstStyle/>
+          <a:p>
+            <a:pPr marL="457200" indent="-457200">
+              <a:lnSpc>
+                <a:spcPct val="150000"/>
+              </a:lnSpc>
+              <a:buFont typeface="Courier New" panose="02070309020205020404" pitchFamily="49" charset="0"/>
+              <a:buChar char="o"/>
+            </a:pPr>
+            <a:r>
+              <a:rPr lang="de-DE" sz="2800" spc="600" dirty="0">
+                <a:latin typeface="Corbel Light" panose="020B0303020204020204" pitchFamily="34" charset="0"/>
+              </a:rPr>
+              <a:t>Punkt 1</a:t>
+            </a:r>
+          </a:p>
+          <a:p>
+            <a:pPr marL="457200" indent="-457200">
+              <a:lnSpc>
+                <a:spcPct val="150000"/>
+              </a:lnSpc>
+              <a:buFont typeface="Courier New" panose="02070309020205020404" pitchFamily="49" charset="0"/>
+              <a:buChar char="o"/>
+            </a:pPr>
+            <a:r>
+              <a:rPr lang="de-DE" sz="2800" spc="600" dirty="0">
+                <a:latin typeface="Corbel Light" panose="020B0303020204020204" pitchFamily="34" charset="0"/>
+              </a:rPr>
+              <a:t>Punkt 2</a:t>
+            </a:r>
+          </a:p>
+          <a:p>
+            <a:pPr marL="457200" indent="-457200">
+              <a:lnSpc>
+                <a:spcPct val="150000"/>
+              </a:lnSpc>
+              <a:buFont typeface="Courier New" panose="02070309020205020404" pitchFamily="49" charset="0"/>
+              <a:buChar char="o"/>
+            </a:pPr>
+            <a:r>
+              <a:rPr lang="de-DE" sz="2800" spc="600" dirty="0">
+                <a:latin typeface="Corbel Light" panose="020B0303020204020204" pitchFamily="34" charset="0"/>
+              </a:rPr>
+              <a:t>Punkt 3</a:t>
+            </a:r>
+          </a:p>
+          <a:p>
+            <a:pPr marL="457200" indent="-457200">
+              <a:lnSpc>
+                <a:spcPct val="150000"/>
+              </a:lnSpc>
+              <a:buFont typeface="Courier New" panose="02070309020205020404" pitchFamily="49" charset="0"/>
+              <a:buChar char="o"/>
+            </a:pPr>
+            <a:r>
+              <a:rPr lang="de-DE" sz="2800" spc="600" dirty="0">
+                <a:latin typeface="Corbel Light" panose="020B0303020204020204" pitchFamily="34" charset="0"/>
+              </a:rPr>
+              <a:t>Punkt 4</a:t>
+            </a:r>
+          </a:p>
+        </p:txBody>
+      </p:sp>
+    </p:spTree>
+    <p:extLst>
+      <p:ext uri="{BB962C8B-B14F-4D97-AF65-F5344CB8AC3E}">
+        <p14:creationId xmlns:p14="http://schemas.microsoft.com/office/powerpoint/2010/main" val="1925717297"/>
+      </p:ext>
+    </p:extLst>
+  </p:cSld>
+  <p:clrMapOvr>
+    <a:masterClrMapping/>
+  </p:clrMapOvr>
+  <p:transition spd="slow">
+    <p:push dir="u"/>
+  </p:transition>
+</p:sld>
+</file>
+
+<file path=ppt/slides/slide5.xml><?xml version="1.0" encoding="utf-8"?>
+<p:sld xmlns:a="http://schemas.openxmlformats.org/drawingml/2006/main" xmlns:r="http://schemas.openxmlformats.org/officeDocument/2006/relationships" xmlns:p="http://schemas.openxmlformats.org/presentationml/2006/main">
+  <p:cSld>
+    <p:spTree>
+      <p:nvGrpSpPr>
+        <p:cNvPr id="1" name=""/>
+        <p:cNvGrpSpPr/>
+        <p:nvPr/>
+      </p:nvGrpSpPr>
+      <p:grpSpPr>
+        <a:xfrm>
+          <a:off x="0" y="0"/>
+          <a:ext cx="0" cy="0"/>
+          <a:chOff x="0" y="0"/>
+          <a:chExt cx="0" cy="0"/>
+        </a:xfrm>
+      </p:grpSpPr>
+      <p:sp>
+        <p:nvSpPr>
+          <p:cNvPr id="15" name="Textfeld 14">
+            <a:extLst>
+              <a:ext uri="{FF2B5EF4-FFF2-40B4-BE49-F238E27FC236}">
+                <a16:creationId xmlns:a16="http://schemas.microsoft.com/office/drawing/2014/main" id="{EDC0117D-58F4-467D-B022-5970DDCB4994}"/>
+              </a:ext>
+            </a:extLst>
+          </p:cNvPr>
+          <p:cNvSpPr txBox="1"/>
+          <p:nvPr/>
+        </p:nvSpPr>
+        <p:spPr>
+          <a:xfrm>
+            <a:off x="515891" y="362596"/>
+            <a:ext cx="5023184" cy="523220"/>
+          </a:xfrm>
+          <a:prstGeom prst="rect">
+            <a:avLst/>
+          </a:prstGeom>
+          <a:noFill/>
+          <a:ln>
+            <a:solidFill>
+              <a:schemeClr val="tx1"/>
+            </a:solidFill>
+          </a:ln>
+        </p:spPr>
+        <p:txBody>
+          <a:bodyPr wrap="square" rtlCol="0">
+            <a:spAutoFit/>
+          </a:bodyPr>
+          <a:lstStyle/>
+          <a:p>
+            <a:pPr algn="ctr"/>
+            <a:r>
+              <a:rPr lang="de-DE" sz="2800" spc="600" dirty="0">
+                <a:latin typeface="Corbel Light" panose="020B0303020204020204" pitchFamily="34" charset="0"/>
+              </a:rPr>
+              <a:t>Software</a:t>
+            </a:r>
+          </a:p>
+        </p:txBody>
+      </p:sp>
+      <p:sp>
+        <p:nvSpPr>
+          <p:cNvPr id="11" name="Textfeld 10">
+            <a:extLst>
+              <a:ext uri="{FF2B5EF4-FFF2-40B4-BE49-F238E27FC236}">
+                <a16:creationId xmlns:a16="http://schemas.microsoft.com/office/drawing/2014/main" id="{BA3042D6-6002-417C-93D0-8FCE3D1E7633}"/>
+              </a:ext>
+            </a:extLst>
+          </p:cNvPr>
+          <p:cNvSpPr txBox="1"/>
+          <p:nvPr/>
+        </p:nvSpPr>
+        <p:spPr>
+          <a:xfrm>
+            <a:off x="5697415" y="362596"/>
+            <a:ext cx="1233776" cy="523220"/>
+          </a:xfrm>
+          <a:prstGeom prst="rect">
+            <a:avLst/>
+          </a:prstGeom>
+          <a:noFill/>
+          <a:ln>
+            <a:solidFill>
+              <a:schemeClr val="tx1"/>
+            </a:solidFill>
+          </a:ln>
+        </p:spPr>
+        <p:txBody>
+          <a:bodyPr wrap="square" rtlCol="0">
+            <a:spAutoFit/>
+          </a:bodyPr>
+          <a:lstStyle/>
+          <a:p>
+            <a:pPr algn="ctr"/>
+            <a:r>
+              <a:rPr lang="de-DE" sz="2800" spc="600" dirty="0">
+                <a:latin typeface="Corbel Light" panose="020B0303020204020204" pitchFamily="34" charset="0"/>
+              </a:rPr>
+              <a:t>32%</a:t>
+            </a:r>
+          </a:p>
+        </p:txBody>
+      </p:sp>
+      <p:sp>
+        <p:nvSpPr>
+          <p:cNvPr id="12" name="Textfeld 11">
+            <a:extLst>
+              <a:ext uri="{FF2B5EF4-FFF2-40B4-BE49-F238E27FC236}">
+                <a16:creationId xmlns:a16="http://schemas.microsoft.com/office/drawing/2014/main" id="{3DB282F9-9955-4987-A9EC-F59319B64096}"/>
+              </a:ext>
+            </a:extLst>
+          </p:cNvPr>
+          <p:cNvSpPr txBox="1"/>
+          <p:nvPr/>
+        </p:nvSpPr>
+        <p:spPr>
+          <a:xfrm>
+            <a:off x="515890" y="1095288"/>
+            <a:ext cx="11318555" cy="2610843"/>
+          </a:xfrm>
+          <a:prstGeom prst="rect">
+            <a:avLst/>
+          </a:prstGeom>
+          <a:noFill/>
+          <a:ln>
+            <a:solidFill>
+              <a:schemeClr val="tx1"/>
+            </a:solidFill>
+          </a:ln>
+        </p:spPr>
+        <p:txBody>
+          <a:bodyPr wrap="square" rtlCol="0">
+            <a:spAutoFit/>
+          </a:bodyPr>
+          <a:lstStyle/>
+          <a:p>
+            <a:pPr marL="457200" indent="-457200">
+              <a:lnSpc>
+                <a:spcPct val="150000"/>
+              </a:lnSpc>
+              <a:buFont typeface="Courier New" panose="02070309020205020404" pitchFamily="49" charset="0"/>
+              <a:buChar char="o"/>
+            </a:pPr>
+            <a:r>
+              <a:rPr lang="de-DE" sz="2800" spc="600" dirty="0">
+                <a:latin typeface="Corbel Light" panose="020B0303020204020204" pitchFamily="34" charset="0"/>
+              </a:rPr>
+              <a:t>Punkt 1</a:t>
+            </a:r>
+          </a:p>
+          <a:p>
+            <a:pPr marL="457200" indent="-457200">
+              <a:lnSpc>
+                <a:spcPct val="150000"/>
+              </a:lnSpc>
+              <a:buFont typeface="Courier New" panose="02070309020205020404" pitchFamily="49" charset="0"/>
+              <a:buChar char="o"/>
+            </a:pPr>
+            <a:r>
+              <a:rPr lang="de-DE" sz="2800" spc="600" dirty="0">
+                <a:latin typeface="Corbel Light" panose="020B0303020204020204" pitchFamily="34" charset="0"/>
+              </a:rPr>
+              <a:t>Punkt 2</a:t>
+            </a:r>
+          </a:p>
+          <a:p>
+            <a:pPr marL="457200" indent="-457200">
+              <a:lnSpc>
+                <a:spcPct val="150000"/>
+              </a:lnSpc>
+              <a:buFont typeface="Courier New" panose="02070309020205020404" pitchFamily="49" charset="0"/>
+              <a:buChar char="o"/>
+            </a:pPr>
+            <a:r>
+              <a:rPr lang="de-DE" sz="2800" spc="600" dirty="0">
+                <a:latin typeface="Corbel Light" panose="020B0303020204020204" pitchFamily="34" charset="0"/>
+              </a:rPr>
+              <a:t>Punkt 3</a:t>
+            </a:r>
+          </a:p>
+          <a:p>
+            <a:pPr marL="457200" indent="-457200">
+              <a:lnSpc>
+                <a:spcPct val="150000"/>
+              </a:lnSpc>
+              <a:buFont typeface="Courier New" panose="02070309020205020404" pitchFamily="49" charset="0"/>
+              <a:buChar char="o"/>
+            </a:pPr>
+            <a:r>
+              <a:rPr lang="de-DE" sz="2800" spc="600" dirty="0">
+                <a:latin typeface="Corbel Light" panose="020B0303020204020204" pitchFamily="34" charset="0"/>
+              </a:rPr>
+              <a:t>Punkt 4</a:t>
+            </a:r>
+          </a:p>
+        </p:txBody>
+      </p:sp>
+    </p:spTree>
+    <p:extLst>
+      <p:ext uri="{BB962C8B-B14F-4D97-AF65-F5344CB8AC3E}">
+        <p14:creationId xmlns:p14="http://schemas.microsoft.com/office/powerpoint/2010/main" val="129407845"/>
+      </p:ext>
+    </p:extLst>
+  </p:cSld>
+  <p:clrMapOvr>
+    <a:masterClrMapping/>
+  </p:clrMapOvr>
+  <p:transition spd="slow">
+    <p:push dir="u"/>
+  </p:transition>
+</p:sld>
+</file>
+
+<file path=ppt/slides/slide6.xml><?xml version="1.0" encoding="utf-8"?>
+<p:sld xmlns:a="http://schemas.openxmlformats.org/drawingml/2006/main" xmlns:r="http://schemas.openxmlformats.org/officeDocument/2006/relationships" xmlns:p="http://schemas.openxmlformats.org/presentationml/2006/main">
+  <p:cSld>
+    <p:spTree>
+      <p:nvGrpSpPr>
+        <p:cNvPr id="1" name=""/>
+        <p:cNvGrpSpPr/>
+        <p:nvPr/>
+      </p:nvGrpSpPr>
+      <p:grpSpPr>
+        <a:xfrm>
+          <a:off x="0" y="0"/>
+          <a:ext cx="0" cy="0"/>
+          <a:chOff x="0" y="0"/>
+          <a:chExt cx="0" cy="0"/>
+        </a:xfrm>
+      </p:grpSpPr>
+      <p:sp>
+        <p:nvSpPr>
+          <p:cNvPr id="15" name="Textfeld 14">
+            <a:extLst>
+              <a:ext uri="{FF2B5EF4-FFF2-40B4-BE49-F238E27FC236}">
+                <a16:creationId xmlns:a16="http://schemas.microsoft.com/office/drawing/2014/main" id="{EDC0117D-58F4-467D-B022-5970DDCB4994}"/>
+              </a:ext>
+            </a:extLst>
+          </p:cNvPr>
+          <p:cNvSpPr txBox="1"/>
+          <p:nvPr/>
+        </p:nvSpPr>
+        <p:spPr>
+          <a:xfrm>
+            <a:off x="515891" y="362596"/>
+            <a:ext cx="5023184" cy="523220"/>
+          </a:xfrm>
+          <a:prstGeom prst="rect">
+            <a:avLst/>
+          </a:prstGeom>
+          <a:noFill/>
+          <a:ln>
+            <a:solidFill>
+              <a:schemeClr val="tx1"/>
+            </a:solidFill>
+          </a:ln>
+        </p:spPr>
+        <p:txBody>
+          <a:bodyPr wrap="square" rtlCol="0">
+            <a:spAutoFit/>
+          </a:bodyPr>
+          <a:lstStyle/>
+          <a:p>
+            <a:pPr algn="ctr"/>
+            <a:r>
+              <a:rPr lang="de-DE" sz="2800" spc="600" dirty="0">
+                <a:latin typeface="Corbel Light" panose="020B0303020204020204" pitchFamily="34" charset="0"/>
+              </a:rPr>
+              <a:t>Herausforderungen</a:t>
+            </a:r>
+          </a:p>
+        </p:txBody>
+      </p:sp>
+      <p:sp>
+        <p:nvSpPr>
+          <p:cNvPr id="11" name="Textfeld 10">
+            <a:extLst>
+              <a:ext uri="{FF2B5EF4-FFF2-40B4-BE49-F238E27FC236}">
+                <a16:creationId xmlns:a16="http://schemas.microsoft.com/office/drawing/2014/main" id="{BA3042D6-6002-417C-93D0-8FCE3D1E7633}"/>
+              </a:ext>
+            </a:extLst>
+          </p:cNvPr>
+          <p:cNvSpPr txBox="1"/>
+          <p:nvPr/>
+        </p:nvSpPr>
+        <p:spPr>
+          <a:xfrm>
+            <a:off x="5697415" y="362596"/>
+            <a:ext cx="1233776" cy="523220"/>
+          </a:xfrm>
+          <a:prstGeom prst="rect">
+            <a:avLst/>
+          </a:prstGeom>
+          <a:noFill/>
+          <a:ln>
+            <a:solidFill>
+              <a:schemeClr val="tx1"/>
+            </a:solidFill>
+          </a:ln>
+        </p:spPr>
+        <p:txBody>
+          <a:bodyPr wrap="square" rtlCol="0">
+            <a:spAutoFit/>
+          </a:bodyPr>
+          <a:lstStyle/>
+          <a:p>
+            <a:pPr algn="ctr"/>
+            <a:r>
+              <a:rPr lang="de-DE" sz="2800" spc="600" dirty="0">
+                <a:latin typeface="Corbel Light" panose="020B0303020204020204" pitchFamily="34" charset="0"/>
+              </a:rPr>
+              <a:t>32%</a:t>
+            </a:r>
+          </a:p>
+        </p:txBody>
+      </p:sp>
+      <p:sp>
+        <p:nvSpPr>
+          <p:cNvPr id="12" name="Textfeld 11">
+            <a:extLst>
+              <a:ext uri="{FF2B5EF4-FFF2-40B4-BE49-F238E27FC236}">
+                <a16:creationId xmlns:a16="http://schemas.microsoft.com/office/drawing/2014/main" id="{3DB282F9-9955-4987-A9EC-F59319B64096}"/>
+              </a:ext>
+            </a:extLst>
+          </p:cNvPr>
+          <p:cNvSpPr txBox="1"/>
+          <p:nvPr/>
+        </p:nvSpPr>
+        <p:spPr>
+          <a:xfrm>
+            <a:off x="515890" y="1095288"/>
+            <a:ext cx="11318555" cy="2610843"/>
+          </a:xfrm>
+          <a:prstGeom prst="rect">
+            <a:avLst/>
+          </a:prstGeom>
+          <a:noFill/>
+          <a:ln>
+            <a:solidFill>
+              <a:schemeClr val="tx1"/>
+            </a:solidFill>
+          </a:ln>
+        </p:spPr>
+        <p:txBody>
+          <a:bodyPr wrap="square" rtlCol="0">
+            <a:spAutoFit/>
+          </a:bodyPr>
+          <a:lstStyle/>
+          <a:p>
+            <a:pPr marL="457200" indent="-457200">
+              <a:lnSpc>
+                <a:spcPct val="150000"/>
+              </a:lnSpc>
+              <a:buFont typeface="Courier New" panose="02070309020205020404" pitchFamily="49" charset="0"/>
+              <a:buChar char="o"/>
+            </a:pPr>
+            <a:r>
+              <a:rPr lang="de-DE" sz="2800" spc="600" dirty="0">
+                <a:latin typeface="Corbel Light" panose="020B0303020204020204" pitchFamily="34" charset="0"/>
+              </a:rPr>
+              <a:t>Punkt 1</a:t>
+            </a:r>
+          </a:p>
+          <a:p>
+            <a:pPr marL="457200" indent="-457200">
+              <a:lnSpc>
+                <a:spcPct val="150000"/>
+              </a:lnSpc>
+              <a:buFont typeface="Courier New" panose="02070309020205020404" pitchFamily="49" charset="0"/>
+              <a:buChar char="o"/>
+            </a:pPr>
+            <a:r>
+              <a:rPr lang="de-DE" sz="2800" spc="600" dirty="0">
+                <a:latin typeface="Corbel Light" panose="020B0303020204020204" pitchFamily="34" charset="0"/>
+              </a:rPr>
+              <a:t>Punkt 2</a:t>
+            </a:r>
+          </a:p>
+          <a:p>
+            <a:pPr marL="457200" indent="-457200">
+              <a:lnSpc>
+                <a:spcPct val="150000"/>
+              </a:lnSpc>
+              <a:buFont typeface="Courier New" panose="02070309020205020404" pitchFamily="49" charset="0"/>
+              <a:buChar char="o"/>
+            </a:pPr>
+            <a:r>
+              <a:rPr lang="de-DE" sz="2800" spc="600" dirty="0">
+                <a:latin typeface="Corbel Light" panose="020B0303020204020204" pitchFamily="34" charset="0"/>
+              </a:rPr>
+              <a:t>Punkt 3</a:t>
+            </a:r>
+          </a:p>
+          <a:p>
+            <a:pPr marL="457200" indent="-457200">
+              <a:lnSpc>
+                <a:spcPct val="150000"/>
+              </a:lnSpc>
+              <a:buFont typeface="Courier New" panose="02070309020205020404" pitchFamily="49" charset="0"/>
+              <a:buChar char="o"/>
+            </a:pPr>
+            <a:r>
+              <a:rPr lang="de-DE" sz="2800" spc="600" dirty="0">
+                <a:latin typeface="Corbel Light" panose="020B0303020204020204" pitchFamily="34" charset="0"/>
+              </a:rPr>
+              <a:t>Punkt 4</a:t>
+            </a:r>
+          </a:p>
+        </p:txBody>
+      </p:sp>
+    </p:spTree>
+    <p:extLst>
+      <p:ext uri="{BB962C8B-B14F-4D97-AF65-F5344CB8AC3E}">
+        <p14:creationId xmlns:p14="http://schemas.microsoft.com/office/powerpoint/2010/main" val="4170590430"/>
+      </p:ext>
+    </p:extLst>
+  </p:cSld>
+  <p:clrMapOvr>
+    <a:masterClrMapping/>
+  </p:clrMapOvr>
+  <p:transition spd="slow">
+    <p:push dir="u"/>
+  </p:transition>
+</p:sld>
+</file>
+
+<file path=ppt/slides/slide7.xml><?xml version="1.0" encoding="utf-8"?>
+<p:sld xmlns:a="http://schemas.openxmlformats.org/drawingml/2006/main" xmlns:r="http://schemas.openxmlformats.org/officeDocument/2006/relationships" xmlns:p="http://schemas.openxmlformats.org/presentationml/2006/main">
+  <p:cSld>
+    <p:spTree>
+      <p:nvGrpSpPr>
+        <p:cNvPr id="1" name=""/>
+        <p:cNvGrpSpPr/>
+        <p:nvPr/>
+      </p:nvGrpSpPr>
+      <p:grpSpPr>
+        <a:xfrm>
+          <a:off x="0" y="0"/>
+          <a:ext cx="0" cy="0"/>
+          <a:chOff x="0" y="0"/>
+          <a:chExt cx="0" cy="0"/>
+        </a:xfrm>
+      </p:grpSpPr>
+      <p:sp>
+        <p:nvSpPr>
+          <p:cNvPr id="15" name="Textfeld 14">
+            <a:extLst>
+              <a:ext uri="{FF2B5EF4-FFF2-40B4-BE49-F238E27FC236}">
+                <a16:creationId xmlns:a16="http://schemas.microsoft.com/office/drawing/2014/main" id="{EDC0117D-58F4-467D-B022-5970DDCB4994}"/>
+              </a:ext>
+            </a:extLst>
+          </p:cNvPr>
+          <p:cNvSpPr txBox="1"/>
+          <p:nvPr/>
+        </p:nvSpPr>
+        <p:spPr>
+          <a:xfrm>
+            <a:off x="515891" y="362596"/>
+            <a:ext cx="5023184" cy="523220"/>
+          </a:xfrm>
+          <a:prstGeom prst="rect">
+            <a:avLst/>
+          </a:prstGeom>
+          <a:noFill/>
+          <a:ln>
+            <a:solidFill>
+              <a:schemeClr val="tx1"/>
+            </a:solidFill>
+          </a:ln>
+        </p:spPr>
+        <p:txBody>
+          <a:bodyPr wrap="square" rtlCol="0">
+            <a:spAutoFit/>
+          </a:bodyPr>
+          <a:lstStyle/>
+          <a:p>
+            <a:pPr algn="ctr"/>
+            <a:r>
+              <a:rPr lang="de-DE" sz="2800" spc="600" dirty="0">
+                <a:latin typeface="Corbel Light" panose="020B0303020204020204" pitchFamily="34" charset="0"/>
+              </a:rPr>
+              <a:t>Fazit</a:t>
+            </a:r>
+          </a:p>
+        </p:txBody>
+      </p:sp>
+      <p:sp>
+        <p:nvSpPr>
+          <p:cNvPr id="12" name="Textfeld 11">
+            <a:extLst>
+              <a:ext uri="{FF2B5EF4-FFF2-40B4-BE49-F238E27FC236}">
+                <a16:creationId xmlns:a16="http://schemas.microsoft.com/office/drawing/2014/main" id="{3DB282F9-9955-4987-A9EC-F59319B64096}"/>
+              </a:ext>
+            </a:extLst>
+          </p:cNvPr>
+          <p:cNvSpPr txBox="1"/>
+          <p:nvPr/>
+        </p:nvSpPr>
+        <p:spPr>
+          <a:xfrm>
+            <a:off x="515890" y="1095288"/>
+            <a:ext cx="11318555" cy="2610843"/>
+          </a:xfrm>
+          <a:prstGeom prst="rect">
+            <a:avLst/>
+          </a:prstGeom>
+          <a:noFill/>
+          <a:ln>
+            <a:solidFill>
+              <a:schemeClr val="tx1"/>
+            </a:solidFill>
+          </a:ln>
+        </p:spPr>
+        <p:txBody>
+          <a:bodyPr wrap="square" rtlCol="0">
+            <a:spAutoFit/>
+          </a:bodyPr>
+          <a:lstStyle/>
+          <a:p>
+            <a:pPr marL="457200" indent="-457200">
+              <a:lnSpc>
+                <a:spcPct val="150000"/>
+              </a:lnSpc>
+              <a:buFont typeface="Courier New" panose="02070309020205020404" pitchFamily="49" charset="0"/>
+              <a:buChar char="o"/>
+            </a:pPr>
+            <a:r>
+              <a:rPr lang="de-DE" sz="2800" spc="600" dirty="0">
+                <a:latin typeface="Corbel Light" panose="020B0303020204020204" pitchFamily="34" charset="0"/>
+              </a:rPr>
+              <a:t>Punkt 1</a:t>
+            </a:r>
+          </a:p>
+          <a:p>
+            <a:pPr marL="457200" indent="-457200">
+              <a:lnSpc>
+                <a:spcPct val="150000"/>
+              </a:lnSpc>
+              <a:buFont typeface="Courier New" panose="02070309020205020404" pitchFamily="49" charset="0"/>
+              <a:buChar char="o"/>
+            </a:pPr>
+            <a:r>
+              <a:rPr lang="de-DE" sz="2800" spc="600" dirty="0">
+                <a:latin typeface="Corbel Light" panose="020B0303020204020204" pitchFamily="34" charset="0"/>
+              </a:rPr>
+              <a:t>Punkt 2</a:t>
+            </a:r>
+          </a:p>
+          <a:p>
+            <a:pPr marL="457200" indent="-457200">
+              <a:lnSpc>
+                <a:spcPct val="150000"/>
+              </a:lnSpc>
+              <a:buFont typeface="Courier New" panose="02070309020205020404" pitchFamily="49" charset="0"/>
+              <a:buChar char="o"/>
+            </a:pPr>
+            <a:r>
+              <a:rPr lang="de-DE" sz="2800" spc="600" dirty="0">
+                <a:latin typeface="Corbel Light" panose="020B0303020204020204" pitchFamily="34" charset="0"/>
+              </a:rPr>
+              <a:t>Punkt 3</a:t>
+            </a:r>
+          </a:p>
+          <a:p>
+            <a:pPr marL="457200" indent="-457200">
+              <a:lnSpc>
+                <a:spcPct val="150000"/>
+              </a:lnSpc>
+              <a:buFont typeface="Courier New" panose="02070309020205020404" pitchFamily="49" charset="0"/>
+              <a:buChar char="o"/>
+            </a:pPr>
+            <a:r>
+              <a:rPr lang="de-DE" sz="2800" spc="600" dirty="0">
+                <a:latin typeface="Corbel Light" panose="020B0303020204020204" pitchFamily="34" charset="0"/>
+              </a:rPr>
+              <a:t>Punkt 4</a:t>
+            </a:r>
+          </a:p>
+        </p:txBody>
+      </p:sp>
+    </p:spTree>
+    <p:extLst>
+      <p:ext uri="{BB962C8B-B14F-4D97-AF65-F5344CB8AC3E}">
+        <p14:creationId xmlns:p14="http://schemas.microsoft.com/office/powerpoint/2010/main" val="82320379"/>
+      </p:ext>
+    </p:extLst>
+  </p:cSld>
+  <p:clrMapOvr>
+    <a:masterClrMapping/>
+  </p:clrMapOvr>
+  <p:transition spd="slow">
+    <p:push dir="u"/>
+  </p:transition>
+</p:sld>
+</file>
+
+<file path=ppt/slides/slide8.xml><?xml version="1.0" encoding="utf-8"?>
+<p:sld xmlns:a="http://schemas.openxmlformats.org/drawingml/2006/main" xmlns:r="http://schemas.openxmlformats.org/officeDocument/2006/relationships" xmlns:p="http://schemas.openxmlformats.org/presentationml/2006/main">
+  <p:cSld>
+    <p:spTree>
+      <p:nvGrpSpPr>
+        <p:cNvPr id="1" name=""/>
+        <p:cNvGrpSpPr/>
+        <p:nvPr/>
+      </p:nvGrpSpPr>
+      <p:grpSpPr>
+        <a:xfrm>
+          <a:off x="0" y="0"/>
+          <a:ext cx="0" cy="0"/>
+          <a:chOff x="0" y="0"/>
+          <a:chExt cx="0" cy="0"/>
+        </a:xfrm>
+      </p:grpSpPr>
       <p:sp>
         <p:nvSpPr>
           <p:cNvPr id="2" name="Titel 1">
@@ -3171,6 +4232,56 @@
           </a:p>
         </p:txBody>
       </p:sp>
+      <p:pic>
+        <p:nvPicPr>
+          <p:cNvPr id="5" name="Grafik 4">
+            <a:extLst>
+              <a:ext uri="{FF2B5EF4-FFF2-40B4-BE49-F238E27FC236}">
+                <a16:creationId xmlns:a16="http://schemas.microsoft.com/office/drawing/2014/main" id="{73474120-098F-492B-A91C-D7758A98BFD2}"/>
+              </a:ext>
+            </a:extLst>
+          </p:cNvPr>
+          <p:cNvPicPr>
+            <a:picLocks noChangeAspect="1"/>
+          </p:cNvPicPr>
+          <p:nvPr/>
+        </p:nvPicPr>
+        <p:blipFill>
+          <a:blip r:embed="rId2">
+            <a:extLst>
+              <a:ext uri="{28A0092B-C50C-407E-A947-70E740481C1C}">
+                <a14:useLocalDpi xmlns:a14="http://schemas.microsoft.com/office/drawing/2010/main" val="0"/>
+              </a:ext>
+            </a:extLst>
+          </a:blip>
+          <a:stretch>
+            <a:fillRect/>
+          </a:stretch>
+        </p:blipFill>
+        <p:spPr>
+          <a:xfrm>
+            <a:off x="2151993" y="1210496"/>
+            <a:ext cx="7888014" cy="4437008"/>
+          </a:xfrm>
+          <a:prstGeom prst="rect">
+            <a:avLst/>
+          </a:prstGeom>
+          <a:ln w="38100" cap="sq">
+            <a:solidFill>
+              <a:srgbClr val="000000"/>
+            </a:solidFill>
+            <a:prstDash val="solid"/>
+            <a:miter lim="800000"/>
+          </a:ln>
+          <a:effectLst>
+            <a:outerShdw blurRad="50800" dist="38100" dir="2700000" algn="tl" rotWithShape="0">
+              <a:srgbClr val="000000">
+                <a:alpha val="43000"/>
+              </a:srgbClr>
+            </a:outerShdw>
+          </a:effectLst>
+        </p:spPr>
+      </p:pic>
       <p:sp>
         <p:nvSpPr>
           <p:cNvPr id="8" name="Textfeld 7">
@@ -3225,7 +4336,7 @@
     </p:spTree>
     <p:extLst>
       <p:ext uri="{BB962C8B-B14F-4D97-AF65-F5344CB8AC3E}">
-        <p14:creationId xmlns:p14="http://schemas.microsoft.com/office/powerpoint/2010/main" val="4133584170"/>
+        <p14:creationId xmlns:p14="http://schemas.microsoft.com/office/powerpoint/2010/main" val="79741252"/>
       </p:ext>
     </p:extLst>
   </p:cSld>
